--- a/ppt 16-9/1537.神迹.pptx
+++ b/ppt 16-9/1537.神迹.pptx
@@ -5,7 +5,7 @@
     <p:sldMasterId id="2147483648" r:id="rId1"/>
   </p:sldMasterIdLst>
   <p:sldIdLst>
-    <p:sldId id="3383" r:id="rId2"/>
+    <p:sldId id="3385" r:id="rId2"/>
   </p:sldIdLst>
   <p:sldSz cx="12192000" cy="6858000"/>
   <p:notesSz cx="6858000" cy="9144000"/>
@@ -129,7 +129,7 @@
           <p:cNvPr id="2" name="标题 1">
             <a:extLst>
               <a:ext uri="{FF2B5EF4-FFF2-40B4-BE49-F238E27FC236}">
-                <a16:creationId xmlns:a16="http://schemas.microsoft.com/office/drawing/2014/main" id="{EAF2D872-40BA-619D-BC7D-79D514E00974}"/>
+                <a16:creationId xmlns:a16="http://schemas.microsoft.com/office/drawing/2014/main" id="{ADDDE672-114D-8611-37BB-246FC167D552}"/>
               </a:ext>
             </a:extLst>
           </p:cNvPr>
@@ -166,7 +166,7 @@
           <p:cNvPr id="3" name="副标题 2">
             <a:extLst>
               <a:ext uri="{FF2B5EF4-FFF2-40B4-BE49-F238E27FC236}">
-                <a16:creationId xmlns:a16="http://schemas.microsoft.com/office/drawing/2014/main" id="{B6671FCB-349C-EB8F-4E7C-2B626D651CF2}"/>
+                <a16:creationId xmlns:a16="http://schemas.microsoft.com/office/drawing/2014/main" id="{0505C70A-2C74-E8F1-0B0A-8E8ED1A8E8D5}"/>
               </a:ext>
             </a:extLst>
           </p:cNvPr>
@@ -236,7 +236,7 @@
           <p:cNvPr id="4" name="日期占位符 3">
             <a:extLst>
               <a:ext uri="{FF2B5EF4-FFF2-40B4-BE49-F238E27FC236}">
-                <a16:creationId xmlns:a16="http://schemas.microsoft.com/office/drawing/2014/main" id="{D12F97DE-BA1E-1689-D38D-91B5CF728B4C}"/>
+                <a16:creationId xmlns:a16="http://schemas.microsoft.com/office/drawing/2014/main" id="{860DBE50-0060-14FB-2957-71312B4E99EB}"/>
               </a:ext>
             </a:extLst>
           </p:cNvPr>
@@ -252,7 +252,7 @@
           <a:bodyPr/>
           <a:lstStyle/>
           <a:p>
-            <a:fld id="{FC27E900-0C0A-4ADD-B02D-A0020065E000}" type="datetimeFigureOut">
+            <a:fld id="{53DAA8E4-EAA7-462B-8B63-5EA9BBB8FCDC}" type="datetimeFigureOut">
               <a:rPr lang="zh-CN" altLang="en-US" smtClean="0"/>
               <a:t>2024/3/10</a:t>
             </a:fld>
@@ -265,7 +265,7 @@
           <p:cNvPr id="5" name="页脚占位符 4">
             <a:extLst>
               <a:ext uri="{FF2B5EF4-FFF2-40B4-BE49-F238E27FC236}">
-                <a16:creationId xmlns:a16="http://schemas.microsoft.com/office/drawing/2014/main" id="{E795DC1E-2FF6-80E4-517E-A9A30F579BE2}"/>
+                <a16:creationId xmlns:a16="http://schemas.microsoft.com/office/drawing/2014/main" id="{1BC32679-067E-995A-D377-CA123EF017BA}"/>
               </a:ext>
             </a:extLst>
           </p:cNvPr>
@@ -290,7 +290,7 @@
           <p:cNvPr id="6" name="灯片编号占位符 5">
             <a:extLst>
               <a:ext uri="{FF2B5EF4-FFF2-40B4-BE49-F238E27FC236}">
-                <a16:creationId xmlns:a16="http://schemas.microsoft.com/office/drawing/2014/main" id="{EB1838E0-E775-AFCD-DF8C-10956922C976}"/>
+                <a16:creationId xmlns:a16="http://schemas.microsoft.com/office/drawing/2014/main" id="{C6CCDEA0-B48B-9080-8371-77EAF10AA7BD}"/>
               </a:ext>
             </a:extLst>
           </p:cNvPr>
@@ -306,7 +306,7 @@
           <a:bodyPr/>
           <a:lstStyle/>
           <a:p>
-            <a:fld id="{E312C3D3-9CA3-49CD-A6A8-CF1B0C867554}" type="slidenum">
+            <a:fld id="{0B6EACE8-3105-4631-9F6D-F35D415C436C}" type="slidenum">
               <a:rPr lang="zh-CN" altLang="en-US" smtClean="0"/>
               <a:t>‹#›</a:t>
             </a:fld>
@@ -317,7 +317,7 @@
     </p:spTree>
     <p:extLst>
       <p:ext uri="{BB962C8B-B14F-4D97-AF65-F5344CB8AC3E}">
-        <p14:creationId xmlns:p14="http://schemas.microsoft.com/office/powerpoint/2010/main" val="2241187660"/>
+        <p14:creationId xmlns:p14="http://schemas.microsoft.com/office/powerpoint/2010/main" val="3410776785"/>
       </p:ext>
     </p:extLst>
   </p:cSld>
@@ -349,7 +349,7 @@
           <p:cNvPr id="2" name="标题 1">
             <a:extLst>
               <a:ext uri="{FF2B5EF4-FFF2-40B4-BE49-F238E27FC236}">
-                <a16:creationId xmlns:a16="http://schemas.microsoft.com/office/drawing/2014/main" id="{B31213BB-2F31-1968-8215-3CB07C20EA41}"/>
+                <a16:creationId xmlns:a16="http://schemas.microsoft.com/office/drawing/2014/main" id="{B6ABEC5B-68D2-4C48-2B3B-4158C1B7006C}"/>
               </a:ext>
             </a:extLst>
           </p:cNvPr>
@@ -377,7 +377,7 @@
           <p:cNvPr id="3" name="竖排文字占位符 2">
             <a:extLst>
               <a:ext uri="{FF2B5EF4-FFF2-40B4-BE49-F238E27FC236}">
-                <a16:creationId xmlns:a16="http://schemas.microsoft.com/office/drawing/2014/main" id="{CC62058F-43E4-31FA-4AE8-155C96770E80}"/>
+                <a16:creationId xmlns:a16="http://schemas.microsoft.com/office/drawing/2014/main" id="{E23F9C4D-45CA-4487-24AD-1D4CAF152BA9}"/>
               </a:ext>
             </a:extLst>
           </p:cNvPr>
@@ -434,7 +434,7 @@
           <p:cNvPr id="4" name="日期占位符 3">
             <a:extLst>
               <a:ext uri="{FF2B5EF4-FFF2-40B4-BE49-F238E27FC236}">
-                <a16:creationId xmlns:a16="http://schemas.microsoft.com/office/drawing/2014/main" id="{2DED3242-96A2-9182-B751-24B7FA44B59D}"/>
+                <a16:creationId xmlns:a16="http://schemas.microsoft.com/office/drawing/2014/main" id="{0859331D-734F-7291-CC55-156A8AAF3D7F}"/>
               </a:ext>
             </a:extLst>
           </p:cNvPr>
@@ -450,7 +450,7 @@
           <a:bodyPr/>
           <a:lstStyle/>
           <a:p>
-            <a:fld id="{FC27E900-0C0A-4ADD-B02D-A0020065E000}" type="datetimeFigureOut">
+            <a:fld id="{53DAA8E4-EAA7-462B-8B63-5EA9BBB8FCDC}" type="datetimeFigureOut">
               <a:rPr lang="zh-CN" altLang="en-US" smtClean="0"/>
               <a:t>2024/3/10</a:t>
             </a:fld>
@@ -463,7 +463,7 @@
           <p:cNvPr id="5" name="页脚占位符 4">
             <a:extLst>
               <a:ext uri="{FF2B5EF4-FFF2-40B4-BE49-F238E27FC236}">
-                <a16:creationId xmlns:a16="http://schemas.microsoft.com/office/drawing/2014/main" id="{F11815A5-7179-5560-F8A1-B131066AD0AC}"/>
+                <a16:creationId xmlns:a16="http://schemas.microsoft.com/office/drawing/2014/main" id="{40EDC07D-54FC-9CF6-B0F9-07732FED415D}"/>
               </a:ext>
             </a:extLst>
           </p:cNvPr>
@@ -488,7 +488,7 @@
           <p:cNvPr id="6" name="灯片编号占位符 5">
             <a:extLst>
               <a:ext uri="{FF2B5EF4-FFF2-40B4-BE49-F238E27FC236}">
-                <a16:creationId xmlns:a16="http://schemas.microsoft.com/office/drawing/2014/main" id="{78988AD7-63ED-8BBC-67B3-CC59D12569E1}"/>
+                <a16:creationId xmlns:a16="http://schemas.microsoft.com/office/drawing/2014/main" id="{972A88CC-6B1E-C04E-0E9B-0692EEC00BFE}"/>
               </a:ext>
             </a:extLst>
           </p:cNvPr>
@@ -504,7 +504,7 @@
           <a:bodyPr/>
           <a:lstStyle/>
           <a:p>
-            <a:fld id="{E312C3D3-9CA3-49CD-A6A8-CF1B0C867554}" type="slidenum">
+            <a:fld id="{0B6EACE8-3105-4631-9F6D-F35D415C436C}" type="slidenum">
               <a:rPr lang="zh-CN" altLang="en-US" smtClean="0"/>
               <a:t>‹#›</a:t>
             </a:fld>
@@ -515,7 +515,7 @@
     </p:spTree>
     <p:extLst>
       <p:ext uri="{BB962C8B-B14F-4D97-AF65-F5344CB8AC3E}">
-        <p14:creationId xmlns:p14="http://schemas.microsoft.com/office/powerpoint/2010/main" val="2239043420"/>
+        <p14:creationId xmlns:p14="http://schemas.microsoft.com/office/powerpoint/2010/main" val="1807652841"/>
       </p:ext>
     </p:extLst>
   </p:cSld>
@@ -547,7 +547,7 @@
           <p:cNvPr id="2" name="竖排标题 1">
             <a:extLst>
               <a:ext uri="{FF2B5EF4-FFF2-40B4-BE49-F238E27FC236}">
-                <a16:creationId xmlns:a16="http://schemas.microsoft.com/office/drawing/2014/main" id="{AA6FC375-A82E-76F4-8205-FA92ED738464}"/>
+                <a16:creationId xmlns:a16="http://schemas.microsoft.com/office/drawing/2014/main" id="{3D37BE47-44C1-56C5-51A0-61767754983B}"/>
               </a:ext>
             </a:extLst>
           </p:cNvPr>
@@ -580,7 +580,7 @@
           <p:cNvPr id="3" name="竖排文字占位符 2">
             <a:extLst>
               <a:ext uri="{FF2B5EF4-FFF2-40B4-BE49-F238E27FC236}">
-                <a16:creationId xmlns:a16="http://schemas.microsoft.com/office/drawing/2014/main" id="{950AA149-4B3E-AA57-E8FD-683127B0B44A}"/>
+                <a16:creationId xmlns:a16="http://schemas.microsoft.com/office/drawing/2014/main" id="{F0AAE185-C907-0DC5-3FD7-29ADC5432F95}"/>
               </a:ext>
             </a:extLst>
           </p:cNvPr>
@@ -642,7 +642,7 @@
           <p:cNvPr id="4" name="日期占位符 3">
             <a:extLst>
               <a:ext uri="{FF2B5EF4-FFF2-40B4-BE49-F238E27FC236}">
-                <a16:creationId xmlns:a16="http://schemas.microsoft.com/office/drawing/2014/main" id="{712645C8-34D7-E279-04EF-7C64B7DB4037}"/>
+                <a16:creationId xmlns:a16="http://schemas.microsoft.com/office/drawing/2014/main" id="{2CD7F744-5B3C-92BC-FBB4-C115E52690DD}"/>
               </a:ext>
             </a:extLst>
           </p:cNvPr>
@@ -658,7 +658,7 @@
           <a:bodyPr/>
           <a:lstStyle/>
           <a:p>
-            <a:fld id="{FC27E900-0C0A-4ADD-B02D-A0020065E000}" type="datetimeFigureOut">
+            <a:fld id="{53DAA8E4-EAA7-462B-8B63-5EA9BBB8FCDC}" type="datetimeFigureOut">
               <a:rPr lang="zh-CN" altLang="en-US" smtClean="0"/>
               <a:t>2024/3/10</a:t>
             </a:fld>
@@ -671,7 +671,7 @@
           <p:cNvPr id="5" name="页脚占位符 4">
             <a:extLst>
               <a:ext uri="{FF2B5EF4-FFF2-40B4-BE49-F238E27FC236}">
-                <a16:creationId xmlns:a16="http://schemas.microsoft.com/office/drawing/2014/main" id="{91E84779-8C8A-357A-72D3-29E404B1275F}"/>
+                <a16:creationId xmlns:a16="http://schemas.microsoft.com/office/drawing/2014/main" id="{7FEE0B63-1428-0EAE-FE64-A1289DA570D1}"/>
               </a:ext>
             </a:extLst>
           </p:cNvPr>
@@ -696,7 +696,7 @@
           <p:cNvPr id="6" name="灯片编号占位符 5">
             <a:extLst>
               <a:ext uri="{FF2B5EF4-FFF2-40B4-BE49-F238E27FC236}">
-                <a16:creationId xmlns:a16="http://schemas.microsoft.com/office/drawing/2014/main" id="{2A492DBE-A721-4AE9-DB2A-3B3E1B83F8BF}"/>
+                <a16:creationId xmlns:a16="http://schemas.microsoft.com/office/drawing/2014/main" id="{AB3645F8-4DC0-0154-8EBB-05A09AE05BA1}"/>
               </a:ext>
             </a:extLst>
           </p:cNvPr>
@@ -712,7 +712,7 @@
           <a:bodyPr/>
           <a:lstStyle/>
           <a:p>
-            <a:fld id="{E312C3D3-9CA3-49CD-A6A8-CF1B0C867554}" type="slidenum">
+            <a:fld id="{0B6EACE8-3105-4631-9F6D-F35D415C436C}" type="slidenum">
               <a:rPr lang="zh-CN" altLang="en-US" smtClean="0"/>
               <a:t>‹#›</a:t>
             </a:fld>
@@ -723,7 +723,7 @@
     </p:spTree>
     <p:extLst>
       <p:ext uri="{BB962C8B-B14F-4D97-AF65-F5344CB8AC3E}">
-        <p14:creationId xmlns:p14="http://schemas.microsoft.com/office/powerpoint/2010/main" val="3198941518"/>
+        <p14:creationId xmlns:p14="http://schemas.microsoft.com/office/powerpoint/2010/main" val="708649544"/>
       </p:ext>
     </p:extLst>
   </p:cSld>
@@ -755,7 +755,7 @@
           <p:cNvPr id="2" name="标题 1">
             <a:extLst>
               <a:ext uri="{FF2B5EF4-FFF2-40B4-BE49-F238E27FC236}">
-                <a16:creationId xmlns:a16="http://schemas.microsoft.com/office/drawing/2014/main" id="{A906344E-EFEC-A054-1B3A-C95EC64369F7}"/>
+                <a16:creationId xmlns:a16="http://schemas.microsoft.com/office/drawing/2014/main" id="{95EC45FA-482B-9BE8-C53E-CADD77C4EE69}"/>
               </a:ext>
             </a:extLst>
           </p:cNvPr>
@@ -783,7 +783,7 @@
           <p:cNvPr id="3" name="内容占位符 2">
             <a:extLst>
               <a:ext uri="{FF2B5EF4-FFF2-40B4-BE49-F238E27FC236}">
-                <a16:creationId xmlns:a16="http://schemas.microsoft.com/office/drawing/2014/main" id="{B4251264-E10B-F97C-B0CC-16C55F52E19D}"/>
+                <a16:creationId xmlns:a16="http://schemas.microsoft.com/office/drawing/2014/main" id="{0502A700-FB64-FF1D-CCB4-B5A07AE1CED2}"/>
               </a:ext>
             </a:extLst>
           </p:cNvPr>
@@ -840,7 +840,7 @@
           <p:cNvPr id="4" name="日期占位符 3">
             <a:extLst>
               <a:ext uri="{FF2B5EF4-FFF2-40B4-BE49-F238E27FC236}">
-                <a16:creationId xmlns:a16="http://schemas.microsoft.com/office/drawing/2014/main" id="{777B144A-F200-0611-FB0B-6B90AA90D2A0}"/>
+                <a16:creationId xmlns:a16="http://schemas.microsoft.com/office/drawing/2014/main" id="{B2493DD4-7DC7-CC07-55ED-9654CA912DEC}"/>
               </a:ext>
             </a:extLst>
           </p:cNvPr>
@@ -856,7 +856,7 @@
           <a:bodyPr/>
           <a:lstStyle/>
           <a:p>
-            <a:fld id="{FC27E900-0C0A-4ADD-B02D-A0020065E000}" type="datetimeFigureOut">
+            <a:fld id="{53DAA8E4-EAA7-462B-8B63-5EA9BBB8FCDC}" type="datetimeFigureOut">
               <a:rPr lang="zh-CN" altLang="en-US" smtClean="0"/>
               <a:t>2024/3/10</a:t>
             </a:fld>
@@ -869,7 +869,7 @@
           <p:cNvPr id="5" name="页脚占位符 4">
             <a:extLst>
               <a:ext uri="{FF2B5EF4-FFF2-40B4-BE49-F238E27FC236}">
-                <a16:creationId xmlns:a16="http://schemas.microsoft.com/office/drawing/2014/main" id="{B74F974A-AC1B-7AC9-0A52-77A10235E406}"/>
+                <a16:creationId xmlns:a16="http://schemas.microsoft.com/office/drawing/2014/main" id="{949B82AF-C3C0-6A6A-C246-EC7F38A2EB22}"/>
               </a:ext>
             </a:extLst>
           </p:cNvPr>
@@ -894,7 +894,7 @@
           <p:cNvPr id="6" name="灯片编号占位符 5">
             <a:extLst>
               <a:ext uri="{FF2B5EF4-FFF2-40B4-BE49-F238E27FC236}">
-                <a16:creationId xmlns:a16="http://schemas.microsoft.com/office/drawing/2014/main" id="{5EE4A4DC-7698-E459-1481-393BCE6DCA49}"/>
+                <a16:creationId xmlns:a16="http://schemas.microsoft.com/office/drawing/2014/main" id="{17AF45FF-36A8-EBE0-E3AC-6286F6ACD50B}"/>
               </a:ext>
             </a:extLst>
           </p:cNvPr>
@@ -910,7 +910,7 @@
           <a:bodyPr/>
           <a:lstStyle/>
           <a:p>
-            <a:fld id="{E312C3D3-9CA3-49CD-A6A8-CF1B0C867554}" type="slidenum">
+            <a:fld id="{0B6EACE8-3105-4631-9F6D-F35D415C436C}" type="slidenum">
               <a:rPr lang="zh-CN" altLang="en-US" smtClean="0"/>
               <a:t>‹#›</a:t>
             </a:fld>
@@ -921,7 +921,7 @@
     </p:spTree>
     <p:extLst>
       <p:ext uri="{BB962C8B-B14F-4D97-AF65-F5344CB8AC3E}">
-        <p14:creationId xmlns:p14="http://schemas.microsoft.com/office/powerpoint/2010/main" val="3464606431"/>
+        <p14:creationId xmlns:p14="http://schemas.microsoft.com/office/powerpoint/2010/main" val="2571474669"/>
       </p:ext>
     </p:extLst>
   </p:cSld>
@@ -953,7 +953,7 @@
           <p:cNvPr id="2" name="标题 1">
             <a:extLst>
               <a:ext uri="{FF2B5EF4-FFF2-40B4-BE49-F238E27FC236}">
-                <a16:creationId xmlns:a16="http://schemas.microsoft.com/office/drawing/2014/main" id="{235F5CD7-922B-483A-401F-413F7BA4A585}"/>
+                <a16:creationId xmlns:a16="http://schemas.microsoft.com/office/drawing/2014/main" id="{2D39F3E7-EEBB-B80E-273C-AE659EF7D260}"/>
               </a:ext>
             </a:extLst>
           </p:cNvPr>
@@ -990,7 +990,7 @@
           <p:cNvPr id="3" name="文本占位符 2">
             <a:extLst>
               <a:ext uri="{FF2B5EF4-FFF2-40B4-BE49-F238E27FC236}">
-                <a16:creationId xmlns:a16="http://schemas.microsoft.com/office/drawing/2014/main" id="{4C9B4FC3-33D4-E111-2419-F6CA436C6D42}"/>
+                <a16:creationId xmlns:a16="http://schemas.microsoft.com/office/drawing/2014/main" id="{7E1DB9D5-60E1-215F-FC62-CA6D5ABEF23B}"/>
               </a:ext>
             </a:extLst>
           </p:cNvPr>
@@ -1115,7 +1115,7 @@
           <p:cNvPr id="4" name="日期占位符 3">
             <a:extLst>
               <a:ext uri="{FF2B5EF4-FFF2-40B4-BE49-F238E27FC236}">
-                <a16:creationId xmlns:a16="http://schemas.microsoft.com/office/drawing/2014/main" id="{0016F32A-5244-8419-35B7-E9DA3CEB51EB}"/>
+                <a16:creationId xmlns:a16="http://schemas.microsoft.com/office/drawing/2014/main" id="{B79BF8E1-B34F-4C08-18AB-AF6F33377102}"/>
               </a:ext>
             </a:extLst>
           </p:cNvPr>
@@ -1131,7 +1131,7 @@
           <a:bodyPr/>
           <a:lstStyle/>
           <a:p>
-            <a:fld id="{FC27E900-0C0A-4ADD-B02D-A0020065E000}" type="datetimeFigureOut">
+            <a:fld id="{53DAA8E4-EAA7-462B-8B63-5EA9BBB8FCDC}" type="datetimeFigureOut">
               <a:rPr lang="zh-CN" altLang="en-US" smtClean="0"/>
               <a:t>2024/3/10</a:t>
             </a:fld>
@@ -1144,7 +1144,7 @@
           <p:cNvPr id="5" name="页脚占位符 4">
             <a:extLst>
               <a:ext uri="{FF2B5EF4-FFF2-40B4-BE49-F238E27FC236}">
-                <a16:creationId xmlns:a16="http://schemas.microsoft.com/office/drawing/2014/main" id="{27C86844-9026-0DEF-BB46-BE5A7C5F56CF}"/>
+                <a16:creationId xmlns:a16="http://schemas.microsoft.com/office/drawing/2014/main" id="{BB5833F1-1E4C-58E4-E3C0-6C2107FD75B5}"/>
               </a:ext>
             </a:extLst>
           </p:cNvPr>
@@ -1169,7 +1169,7 @@
           <p:cNvPr id="6" name="灯片编号占位符 5">
             <a:extLst>
               <a:ext uri="{FF2B5EF4-FFF2-40B4-BE49-F238E27FC236}">
-                <a16:creationId xmlns:a16="http://schemas.microsoft.com/office/drawing/2014/main" id="{FEE4CDB1-EFA6-0F88-DFE5-7C706C35E43F}"/>
+                <a16:creationId xmlns:a16="http://schemas.microsoft.com/office/drawing/2014/main" id="{C26E6BB0-8B19-4DCC-9C03-5E4E659FB3F4}"/>
               </a:ext>
             </a:extLst>
           </p:cNvPr>
@@ -1185,7 +1185,7 @@
           <a:bodyPr/>
           <a:lstStyle/>
           <a:p>
-            <a:fld id="{E312C3D3-9CA3-49CD-A6A8-CF1B0C867554}" type="slidenum">
+            <a:fld id="{0B6EACE8-3105-4631-9F6D-F35D415C436C}" type="slidenum">
               <a:rPr lang="zh-CN" altLang="en-US" smtClean="0"/>
               <a:t>‹#›</a:t>
             </a:fld>
@@ -1196,7 +1196,7 @@
     </p:spTree>
     <p:extLst>
       <p:ext uri="{BB962C8B-B14F-4D97-AF65-F5344CB8AC3E}">
-        <p14:creationId xmlns:p14="http://schemas.microsoft.com/office/powerpoint/2010/main" val="3106851109"/>
+        <p14:creationId xmlns:p14="http://schemas.microsoft.com/office/powerpoint/2010/main" val="3394908362"/>
       </p:ext>
     </p:extLst>
   </p:cSld>
@@ -1228,7 +1228,7 @@
           <p:cNvPr id="2" name="标题 1">
             <a:extLst>
               <a:ext uri="{FF2B5EF4-FFF2-40B4-BE49-F238E27FC236}">
-                <a16:creationId xmlns:a16="http://schemas.microsoft.com/office/drawing/2014/main" id="{7E8EDAB3-DA4E-EEB1-C7F4-CEFACB2591D8}"/>
+                <a16:creationId xmlns:a16="http://schemas.microsoft.com/office/drawing/2014/main" id="{B9195168-6EC5-8CAD-1BB6-9129BC4F90F6}"/>
               </a:ext>
             </a:extLst>
           </p:cNvPr>
@@ -1256,7 +1256,7 @@
           <p:cNvPr id="3" name="内容占位符 2">
             <a:extLst>
               <a:ext uri="{FF2B5EF4-FFF2-40B4-BE49-F238E27FC236}">
-                <a16:creationId xmlns:a16="http://schemas.microsoft.com/office/drawing/2014/main" id="{36CBBDE0-FF28-096A-A0AF-DB98CC9BC207}"/>
+                <a16:creationId xmlns:a16="http://schemas.microsoft.com/office/drawing/2014/main" id="{2AF61434-BF5A-5F56-FD90-F0293F77FB78}"/>
               </a:ext>
             </a:extLst>
           </p:cNvPr>
@@ -1318,7 +1318,7 @@
           <p:cNvPr id="4" name="内容占位符 3">
             <a:extLst>
               <a:ext uri="{FF2B5EF4-FFF2-40B4-BE49-F238E27FC236}">
-                <a16:creationId xmlns:a16="http://schemas.microsoft.com/office/drawing/2014/main" id="{8AE2BA37-C169-1A19-12FB-F6570F2EEBF3}"/>
+                <a16:creationId xmlns:a16="http://schemas.microsoft.com/office/drawing/2014/main" id="{9698FD91-638E-2109-CEEB-70E0CB81CB6E}"/>
               </a:ext>
             </a:extLst>
           </p:cNvPr>
@@ -1380,7 +1380,7 @@
           <p:cNvPr id="5" name="日期占位符 4">
             <a:extLst>
               <a:ext uri="{FF2B5EF4-FFF2-40B4-BE49-F238E27FC236}">
-                <a16:creationId xmlns:a16="http://schemas.microsoft.com/office/drawing/2014/main" id="{1202B3A2-1053-EA0B-0273-653482924287}"/>
+                <a16:creationId xmlns:a16="http://schemas.microsoft.com/office/drawing/2014/main" id="{A3904761-CDDA-3852-3BAA-484DF35F0F0C}"/>
               </a:ext>
             </a:extLst>
           </p:cNvPr>
@@ -1396,7 +1396,7 @@
           <a:bodyPr/>
           <a:lstStyle/>
           <a:p>
-            <a:fld id="{FC27E900-0C0A-4ADD-B02D-A0020065E000}" type="datetimeFigureOut">
+            <a:fld id="{53DAA8E4-EAA7-462B-8B63-5EA9BBB8FCDC}" type="datetimeFigureOut">
               <a:rPr lang="zh-CN" altLang="en-US" smtClean="0"/>
               <a:t>2024/3/10</a:t>
             </a:fld>
@@ -1409,7 +1409,7 @@
           <p:cNvPr id="6" name="页脚占位符 5">
             <a:extLst>
               <a:ext uri="{FF2B5EF4-FFF2-40B4-BE49-F238E27FC236}">
-                <a16:creationId xmlns:a16="http://schemas.microsoft.com/office/drawing/2014/main" id="{2D978D72-2E1A-6A24-6FA7-BB86AE84101D}"/>
+                <a16:creationId xmlns:a16="http://schemas.microsoft.com/office/drawing/2014/main" id="{4DB6AC1F-2096-9B76-633F-3EB2CCCDBCD8}"/>
               </a:ext>
             </a:extLst>
           </p:cNvPr>
@@ -1434,7 +1434,7 @@
           <p:cNvPr id="7" name="灯片编号占位符 6">
             <a:extLst>
               <a:ext uri="{FF2B5EF4-FFF2-40B4-BE49-F238E27FC236}">
-                <a16:creationId xmlns:a16="http://schemas.microsoft.com/office/drawing/2014/main" id="{344B43E2-9D37-058B-2612-9E584FA8BBD1}"/>
+                <a16:creationId xmlns:a16="http://schemas.microsoft.com/office/drawing/2014/main" id="{9EEDB46F-FA23-098C-CCF7-DAE97056AFE3}"/>
               </a:ext>
             </a:extLst>
           </p:cNvPr>
@@ -1450,7 +1450,7 @@
           <a:bodyPr/>
           <a:lstStyle/>
           <a:p>
-            <a:fld id="{E312C3D3-9CA3-49CD-A6A8-CF1B0C867554}" type="slidenum">
+            <a:fld id="{0B6EACE8-3105-4631-9F6D-F35D415C436C}" type="slidenum">
               <a:rPr lang="zh-CN" altLang="en-US" smtClean="0"/>
               <a:t>‹#›</a:t>
             </a:fld>
@@ -1461,7 +1461,7 @@
     </p:spTree>
     <p:extLst>
       <p:ext uri="{BB962C8B-B14F-4D97-AF65-F5344CB8AC3E}">
-        <p14:creationId xmlns:p14="http://schemas.microsoft.com/office/powerpoint/2010/main" val="4294383867"/>
+        <p14:creationId xmlns:p14="http://schemas.microsoft.com/office/powerpoint/2010/main" val="4286310720"/>
       </p:ext>
     </p:extLst>
   </p:cSld>
@@ -1493,7 +1493,7 @@
           <p:cNvPr id="2" name="标题 1">
             <a:extLst>
               <a:ext uri="{FF2B5EF4-FFF2-40B4-BE49-F238E27FC236}">
-                <a16:creationId xmlns:a16="http://schemas.microsoft.com/office/drawing/2014/main" id="{0CDF50F3-74AC-D056-F4AF-B77139D712C9}"/>
+                <a16:creationId xmlns:a16="http://schemas.microsoft.com/office/drawing/2014/main" id="{BCABA18D-78F9-46DB-8533-29F71660EDFD}"/>
               </a:ext>
             </a:extLst>
           </p:cNvPr>
@@ -1526,7 +1526,7 @@
           <p:cNvPr id="3" name="文本占位符 2">
             <a:extLst>
               <a:ext uri="{FF2B5EF4-FFF2-40B4-BE49-F238E27FC236}">
-                <a16:creationId xmlns:a16="http://schemas.microsoft.com/office/drawing/2014/main" id="{C7482D95-F9C2-610A-C73D-D01F92CF404C}"/>
+                <a16:creationId xmlns:a16="http://schemas.microsoft.com/office/drawing/2014/main" id="{D51BD0D5-F489-FC54-C33B-E77ADCE0D383}"/>
               </a:ext>
             </a:extLst>
           </p:cNvPr>
@@ -1597,7 +1597,7 @@
           <p:cNvPr id="4" name="内容占位符 3">
             <a:extLst>
               <a:ext uri="{FF2B5EF4-FFF2-40B4-BE49-F238E27FC236}">
-                <a16:creationId xmlns:a16="http://schemas.microsoft.com/office/drawing/2014/main" id="{54D6413A-461E-1F10-F8EF-7F5CD27BC72D}"/>
+                <a16:creationId xmlns:a16="http://schemas.microsoft.com/office/drawing/2014/main" id="{4C37D119-C03B-9E00-0472-6DD0E94A8D6D}"/>
               </a:ext>
             </a:extLst>
           </p:cNvPr>
@@ -1659,7 +1659,7 @@
           <p:cNvPr id="5" name="文本占位符 4">
             <a:extLst>
               <a:ext uri="{FF2B5EF4-FFF2-40B4-BE49-F238E27FC236}">
-                <a16:creationId xmlns:a16="http://schemas.microsoft.com/office/drawing/2014/main" id="{83DAC4B3-CFFE-7114-637A-933D8803C78C}"/>
+                <a16:creationId xmlns:a16="http://schemas.microsoft.com/office/drawing/2014/main" id="{128299AF-3A2A-12A1-1587-B4A1AB2EF4D4}"/>
               </a:ext>
             </a:extLst>
           </p:cNvPr>
@@ -1730,7 +1730,7 @@
           <p:cNvPr id="6" name="内容占位符 5">
             <a:extLst>
               <a:ext uri="{FF2B5EF4-FFF2-40B4-BE49-F238E27FC236}">
-                <a16:creationId xmlns:a16="http://schemas.microsoft.com/office/drawing/2014/main" id="{FD2FCB7E-D4BC-5EB9-9802-24F04B7A685E}"/>
+                <a16:creationId xmlns:a16="http://schemas.microsoft.com/office/drawing/2014/main" id="{23870857-E871-94C7-F62B-FAED28830D76}"/>
               </a:ext>
             </a:extLst>
           </p:cNvPr>
@@ -1792,7 +1792,7 @@
           <p:cNvPr id="7" name="日期占位符 6">
             <a:extLst>
               <a:ext uri="{FF2B5EF4-FFF2-40B4-BE49-F238E27FC236}">
-                <a16:creationId xmlns:a16="http://schemas.microsoft.com/office/drawing/2014/main" id="{88BE6C8D-A655-7FC8-B2B4-D38C39989EBA}"/>
+                <a16:creationId xmlns:a16="http://schemas.microsoft.com/office/drawing/2014/main" id="{66AAF056-BB96-4168-4519-804BC24C6209}"/>
               </a:ext>
             </a:extLst>
           </p:cNvPr>
@@ -1808,7 +1808,7 @@
           <a:bodyPr/>
           <a:lstStyle/>
           <a:p>
-            <a:fld id="{FC27E900-0C0A-4ADD-B02D-A0020065E000}" type="datetimeFigureOut">
+            <a:fld id="{53DAA8E4-EAA7-462B-8B63-5EA9BBB8FCDC}" type="datetimeFigureOut">
               <a:rPr lang="zh-CN" altLang="en-US" smtClean="0"/>
               <a:t>2024/3/10</a:t>
             </a:fld>
@@ -1821,7 +1821,7 @@
           <p:cNvPr id="8" name="页脚占位符 7">
             <a:extLst>
               <a:ext uri="{FF2B5EF4-FFF2-40B4-BE49-F238E27FC236}">
-                <a16:creationId xmlns:a16="http://schemas.microsoft.com/office/drawing/2014/main" id="{A539FC6F-2031-5827-8468-BB845BC8218F}"/>
+                <a16:creationId xmlns:a16="http://schemas.microsoft.com/office/drawing/2014/main" id="{DE6FBF53-5170-1E7A-A969-9A28F477D438}"/>
               </a:ext>
             </a:extLst>
           </p:cNvPr>
@@ -1846,7 +1846,7 @@
           <p:cNvPr id="9" name="灯片编号占位符 8">
             <a:extLst>
               <a:ext uri="{FF2B5EF4-FFF2-40B4-BE49-F238E27FC236}">
-                <a16:creationId xmlns:a16="http://schemas.microsoft.com/office/drawing/2014/main" id="{D893C326-E7B8-D481-D73A-E23C16B40C7A}"/>
+                <a16:creationId xmlns:a16="http://schemas.microsoft.com/office/drawing/2014/main" id="{A63D8779-BF1F-4390-6A1E-A25226E99EC8}"/>
               </a:ext>
             </a:extLst>
           </p:cNvPr>
@@ -1862,7 +1862,7 @@
           <a:bodyPr/>
           <a:lstStyle/>
           <a:p>
-            <a:fld id="{E312C3D3-9CA3-49CD-A6A8-CF1B0C867554}" type="slidenum">
+            <a:fld id="{0B6EACE8-3105-4631-9F6D-F35D415C436C}" type="slidenum">
               <a:rPr lang="zh-CN" altLang="en-US" smtClean="0"/>
               <a:t>‹#›</a:t>
             </a:fld>
@@ -1873,7 +1873,7 @@
     </p:spTree>
     <p:extLst>
       <p:ext uri="{BB962C8B-B14F-4D97-AF65-F5344CB8AC3E}">
-        <p14:creationId xmlns:p14="http://schemas.microsoft.com/office/powerpoint/2010/main" val="146243684"/>
+        <p14:creationId xmlns:p14="http://schemas.microsoft.com/office/powerpoint/2010/main" val="3281246258"/>
       </p:ext>
     </p:extLst>
   </p:cSld>
@@ -1905,7 +1905,7 @@
           <p:cNvPr id="2" name="标题 1">
             <a:extLst>
               <a:ext uri="{FF2B5EF4-FFF2-40B4-BE49-F238E27FC236}">
-                <a16:creationId xmlns:a16="http://schemas.microsoft.com/office/drawing/2014/main" id="{CC723CB2-4626-9B29-408E-061913F19C52}"/>
+                <a16:creationId xmlns:a16="http://schemas.microsoft.com/office/drawing/2014/main" id="{C279E0BB-80DF-099E-C2E4-982DBD99D781}"/>
               </a:ext>
             </a:extLst>
           </p:cNvPr>
@@ -1933,7 +1933,7 @@
           <p:cNvPr id="3" name="日期占位符 2">
             <a:extLst>
               <a:ext uri="{FF2B5EF4-FFF2-40B4-BE49-F238E27FC236}">
-                <a16:creationId xmlns:a16="http://schemas.microsoft.com/office/drawing/2014/main" id="{401BF3FC-8DF3-30B3-27C2-FAF0B61CCF3D}"/>
+                <a16:creationId xmlns:a16="http://schemas.microsoft.com/office/drawing/2014/main" id="{4C0F060F-A3D6-52E5-1BD0-7D04B8AB413E}"/>
               </a:ext>
             </a:extLst>
           </p:cNvPr>
@@ -1949,7 +1949,7 @@
           <a:bodyPr/>
           <a:lstStyle/>
           <a:p>
-            <a:fld id="{FC27E900-0C0A-4ADD-B02D-A0020065E000}" type="datetimeFigureOut">
+            <a:fld id="{53DAA8E4-EAA7-462B-8B63-5EA9BBB8FCDC}" type="datetimeFigureOut">
               <a:rPr lang="zh-CN" altLang="en-US" smtClean="0"/>
               <a:t>2024/3/10</a:t>
             </a:fld>
@@ -1962,7 +1962,7 @@
           <p:cNvPr id="4" name="页脚占位符 3">
             <a:extLst>
               <a:ext uri="{FF2B5EF4-FFF2-40B4-BE49-F238E27FC236}">
-                <a16:creationId xmlns:a16="http://schemas.microsoft.com/office/drawing/2014/main" id="{B3ED4DAF-996A-92E3-80B1-8F00A025C08F}"/>
+                <a16:creationId xmlns:a16="http://schemas.microsoft.com/office/drawing/2014/main" id="{44A16A88-44C8-E644-4EE7-1F718690D855}"/>
               </a:ext>
             </a:extLst>
           </p:cNvPr>
@@ -1987,7 +1987,7 @@
           <p:cNvPr id="5" name="灯片编号占位符 4">
             <a:extLst>
               <a:ext uri="{FF2B5EF4-FFF2-40B4-BE49-F238E27FC236}">
-                <a16:creationId xmlns:a16="http://schemas.microsoft.com/office/drawing/2014/main" id="{D2FE54C5-E886-FBA6-5530-4CFDEC908E44}"/>
+                <a16:creationId xmlns:a16="http://schemas.microsoft.com/office/drawing/2014/main" id="{CE2C76E0-E4A6-F162-D409-486A969AA9AB}"/>
               </a:ext>
             </a:extLst>
           </p:cNvPr>
@@ -2003,7 +2003,7 @@
           <a:bodyPr/>
           <a:lstStyle/>
           <a:p>
-            <a:fld id="{E312C3D3-9CA3-49CD-A6A8-CF1B0C867554}" type="slidenum">
+            <a:fld id="{0B6EACE8-3105-4631-9F6D-F35D415C436C}" type="slidenum">
               <a:rPr lang="zh-CN" altLang="en-US" smtClean="0"/>
               <a:t>‹#›</a:t>
             </a:fld>
@@ -2014,7 +2014,7 @@
     </p:spTree>
     <p:extLst>
       <p:ext uri="{BB962C8B-B14F-4D97-AF65-F5344CB8AC3E}">
-        <p14:creationId xmlns:p14="http://schemas.microsoft.com/office/powerpoint/2010/main" val="2477414990"/>
+        <p14:creationId xmlns:p14="http://schemas.microsoft.com/office/powerpoint/2010/main" val="1302626654"/>
       </p:ext>
     </p:extLst>
   </p:cSld>
@@ -2046,7 +2046,7 @@
           <p:cNvPr id="2" name="日期占位符 1">
             <a:extLst>
               <a:ext uri="{FF2B5EF4-FFF2-40B4-BE49-F238E27FC236}">
-                <a16:creationId xmlns:a16="http://schemas.microsoft.com/office/drawing/2014/main" id="{9417096D-B2BA-7429-E894-88032845D9C0}"/>
+                <a16:creationId xmlns:a16="http://schemas.microsoft.com/office/drawing/2014/main" id="{56AD1FF8-3A5D-E085-F694-CD2E3BB6C1C6}"/>
               </a:ext>
             </a:extLst>
           </p:cNvPr>
@@ -2062,7 +2062,7 @@
           <a:bodyPr/>
           <a:lstStyle/>
           <a:p>
-            <a:fld id="{FC27E900-0C0A-4ADD-B02D-A0020065E000}" type="datetimeFigureOut">
+            <a:fld id="{53DAA8E4-EAA7-462B-8B63-5EA9BBB8FCDC}" type="datetimeFigureOut">
               <a:rPr lang="zh-CN" altLang="en-US" smtClean="0"/>
               <a:t>2024/3/10</a:t>
             </a:fld>
@@ -2075,7 +2075,7 @@
           <p:cNvPr id="3" name="页脚占位符 2">
             <a:extLst>
               <a:ext uri="{FF2B5EF4-FFF2-40B4-BE49-F238E27FC236}">
-                <a16:creationId xmlns:a16="http://schemas.microsoft.com/office/drawing/2014/main" id="{83D791CB-25C5-07A7-22EB-CD117B41622F}"/>
+                <a16:creationId xmlns:a16="http://schemas.microsoft.com/office/drawing/2014/main" id="{8F96E832-D072-008E-DBF8-CD3A9FC1B34B}"/>
               </a:ext>
             </a:extLst>
           </p:cNvPr>
@@ -2100,7 +2100,7 @@
           <p:cNvPr id="4" name="灯片编号占位符 3">
             <a:extLst>
               <a:ext uri="{FF2B5EF4-FFF2-40B4-BE49-F238E27FC236}">
-                <a16:creationId xmlns:a16="http://schemas.microsoft.com/office/drawing/2014/main" id="{B5FD4568-16F7-5764-E151-6387BCEA5524}"/>
+                <a16:creationId xmlns:a16="http://schemas.microsoft.com/office/drawing/2014/main" id="{886048D2-F608-7EE1-F6CC-CB3A7A366D11}"/>
               </a:ext>
             </a:extLst>
           </p:cNvPr>
@@ -2116,7 +2116,7 @@
           <a:bodyPr/>
           <a:lstStyle/>
           <a:p>
-            <a:fld id="{E312C3D3-9CA3-49CD-A6A8-CF1B0C867554}" type="slidenum">
+            <a:fld id="{0B6EACE8-3105-4631-9F6D-F35D415C436C}" type="slidenum">
               <a:rPr lang="zh-CN" altLang="en-US" smtClean="0"/>
               <a:t>‹#›</a:t>
             </a:fld>
@@ -2127,7 +2127,7 @@
     </p:spTree>
     <p:extLst>
       <p:ext uri="{BB962C8B-B14F-4D97-AF65-F5344CB8AC3E}">
-        <p14:creationId xmlns:p14="http://schemas.microsoft.com/office/powerpoint/2010/main" val="1686374918"/>
+        <p14:creationId xmlns:p14="http://schemas.microsoft.com/office/powerpoint/2010/main" val="3376637881"/>
       </p:ext>
     </p:extLst>
   </p:cSld>
@@ -2159,7 +2159,7 @@
           <p:cNvPr id="2" name="标题 1">
             <a:extLst>
               <a:ext uri="{FF2B5EF4-FFF2-40B4-BE49-F238E27FC236}">
-                <a16:creationId xmlns:a16="http://schemas.microsoft.com/office/drawing/2014/main" id="{E3F62136-1362-5BB8-7708-A25AFC8A7436}"/>
+                <a16:creationId xmlns:a16="http://schemas.microsoft.com/office/drawing/2014/main" id="{3049484B-1E3E-9B15-84C3-08F31C2540D3}"/>
               </a:ext>
             </a:extLst>
           </p:cNvPr>
@@ -2196,7 +2196,7 @@
           <p:cNvPr id="3" name="内容占位符 2">
             <a:extLst>
               <a:ext uri="{FF2B5EF4-FFF2-40B4-BE49-F238E27FC236}">
-                <a16:creationId xmlns:a16="http://schemas.microsoft.com/office/drawing/2014/main" id="{1A4EE57E-9EB1-095F-4098-ED23A84E68CC}"/>
+                <a16:creationId xmlns:a16="http://schemas.microsoft.com/office/drawing/2014/main" id="{212BF379-DC2E-54B3-C17A-C9D505E3562B}"/>
               </a:ext>
             </a:extLst>
           </p:cNvPr>
@@ -2286,7 +2286,7 @@
           <p:cNvPr id="4" name="文本占位符 3">
             <a:extLst>
               <a:ext uri="{FF2B5EF4-FFF2-40B4-BE49-F238E27FC236}">
-                <a16:creationId xmlns:a16="http://schemas.microsoft.com/office/drawing/2014/main" id="{6EED7BCC-9D4B-7F8F-DB24-93A666AFF713}"/>
+                <a16:creationId xmlns:a16="http://schemas.microsoft.com/office/drawing/2014/main" id="{450B6C21-8DCE-C7D8-06A0-342C24F34BBE}"/>
               </a:ext>
             </a:extLst>
           </p:cNvPr>
@@ -2357,7 +2357,7 @@
           <p:cNvPr id="5" name="日期占位符 4">
             <a:extLst>
               <a:ext uri="{FF2B5EF4-FFF2-40B4-BE49-F238E27FC236}">
-                <a16:creationId xmlns:a16="http://schemas.microsoft.com/office/drawing/2014/main" id="{82464D55-A3DD-7878-91E1-68689FDF9C9F}"/>
+                <a16:creationId xmlns:a16="http://schemas.microsoft.com/office/drawing/2014/main" id="{A1AD7601-DBD1-8F66-A0BC-E8B33424F886}"/>
               </a:ext>
             </a:extLst>
           </p:cNvPr>
@@ -2373,7 +2373,7 @@
           <a:bodyPr/>
           <a:lstStyle/>
           <a:p>
-            <a:fld id="{FC27E900-0C0A-4ADD-B02D-A0020065E000}" type="datetimeFigureOut">
+            <a:fld id="{53DAA8E4-EAA7-462B-8B63-5EA9BBB8FCDC}" type="datetimeFigureOut">
               <a:rPr lang="zh-CN" altLang="en-US" smtClean="0"/>
               <a:t>2024/3/10</a:t>
             </a:fld>
@@ -2386,7 +2386,7 @@
           <p:cNvPr id="6" name="页脚占位符 5">
             <a:extLst>
               <a:ext uri="{FF2B5EF4-FFF2-40B4-BE49-F238E27FC236}">
-                <a16:creationId xmlns:a16="http://schemas.microsoft.com/office/drawing/2014/main" id="{F45787AC-0297-2121-98C7-B2C8AE3103EC}"/>
+                <a16:creationId xmlns:a16="http://schemas.microsoft.com/office/drawing/2014/main" id="{14FE9DD4-FD4B-357E-5A01-51DA6C6BC179}"/>
               </a:ext>
             </a:extLst>
           </p:cNvPr>
@@ -2411,7 +2411,7 @@
           <p:cNvPr id="7" name="灯片编号占位符 6">
             <a:extLst>
               <a:ext uri="{FF2B5EF4-FFF2-40B4-BE49-F238E27FC236}">
-                <a16:creationId xmlns:a16="http://schemas.microsoft.com/office/drawing/2014/main" id="{6A9EDC1E-BE25-1B2E-BFC2-14F5CE509427}"/>
+                <a16:creationId xmlns:a16="http://schemas.microsoft.com/office/drawing/2014/main" id="{CA23859B-E314-03CA-6479-BF19E195926F}"/>
               </a:ext>
             </a:extLst>
           </p:cNvPr>
@@ -2427,7 +2427,7 @@
           <a:bodyPr/>
           <a:lstStyle/>
           <a:p>
-            <a:fld id="{E312C3D3-9CA3-49CD-A6A8-CF1B0C867554}" type="slidenum">
+            <a:fld id="{0B6EACE8-3105-4631-9F6D-F35D415C436C}" type="slidenum">
               <a:rPr lang="zh-CN" altLang="en-US" smtClean="0"/>
               <a:t>‹#›</a:t>
             </a:fld>
@@ -2438,7 +2438,7 @@
     </p:spTree>
     <p:extLst>
       <p:ext uri="{BB962C8B-B14F-4D97-AF65-F5344CB8AC3E}">
-        <p14:creationId xmlns:p14="http://schemas.microsoft.com/office/powerpoint/2010/main" val="518022893"/>
+        <p14:creationId xmlns:p14="http://schemas.microsoft.com/office/powerpoint/2010/main" val="1736818961"/>
       </p:ext>
     </p:extLst>
   </p:cSld>
@@ -2470,7 +2470,7 @@
           <p:cNvPr id="2" name="标题 1">
             <a:extLst>
               <a:ext uri="{FF2B5EF4-FFF2-40B4-BE49-F238E27FC236}">
-                <a16:creationId xmlns:a16="http://schemas.microsoft.com/office/drawing/2014/main" id="{DE25F814-258F-487E-9014-F23DD9C3442E}"/>
+                <a16:creationId xmlns:a16="http://schemas.microsoft.com/office/drawing/2014/main" id="{1DDEAA47-6B3E-8396-E9C8-37A6F5AA0260}"/>
               </a:ext>
             </a:extLst>
           </p:cNvPr>
@@ -2507,7 +2507,7 @@
           <p:cNvPr id="3" name="图片占位符 2">
             <a:extLst>
               <a:ext uri="{FF2B5EF4-FFF2-40B4-BE49-F238E27FC236}">
-                <a16:creationId xmlns:a16="http://schemas.microsoft.com/office/drawing/2014/main" id="{5CAE9973-8C25-7CFE-FCEF-2DE43F6E10A6}"/>
+                <a16:creationId xmlns:a16="http://schemas.microsoft.com/office/drawing/2014/main" id="{746F940F-BB97-830F-B9C3-19F2BA8A2AC1}"/>
               </a:ext>
             </a:extLst>
           </p:cNvPr>
@@ -2574,7 +2574,7 @@
           <p:cNvPr id="4" name="文本占位符 3">
             <a:extLst>
               <a:ext uri="{FF2B5EF4-FFF2-40B4-BE49-F238E27FC236}">
-                <a16:creationId xmlns:a16="http://schemas.microsoft.com/office/drawing/2014/main" id="{552B0340-8F34-9CA2-78C2-BDD388940F09}"/>
+                <a16:creationId xmlns:a16="http://schemas.microsoft.com/office/drawing/2014/main" id="{74968DCC-7481-A042-4FD4-AE73FB473A78}"/>
               </a:ext>
             </a:extLst>
           </p:cNvPr>
@@ -2645,7 +2645,7 @@
           <p:cNvPr id="5" name="日期占位符 4">
             <a:extLst>
               <a:ext uri="{FF2B5EF4-FFF2-40B4-BE49-F238E27FC236}">
-                <a16:creationId xmlns:a16="http://schemas.microsoft.com/office/drawing/2014/main" id="{631117B5-FC10-45BB-2EF3-A9A7AE501E57}"/>
+                <a16:creationId xmlns:a16="http://schemas.microsoft.com/office/drawing/2014/main" id="{08DB0CC3-CD4A-C989-7D3F-8CCEC7203C79}"/>
               </a:ext>
             </a:extLst>
           </p:cNvPr>
@@ -2661,7 +2661,7 @@
           <a:bodyPr/>
           <a:lstStyle/>
           <a:p>
-            <a:fld id="{FC27E900-0C0A-4ADD-B02D-A0020065E000}" type="datetimeFigureOut">
+            <a:fld id="{53DAA8E4-EAA7-462B-8B63-5EA9BBB8FCDC}" type="datetimeFigureOut">
               <a:rPr lang="zh-CN" altLang="en-US" smtClean="0"/>
               <a:t>2024/3/10</a:t>
             </a:fld>
@@ -2674,7 +2674,7 @@
           <p:cNvPr id="6" name="页脚占位符 5">
             <a:extLst>
               <a:ext uri="{FF2B5EF4-FFF2-40B4-BE49-F238E27FC236}">
-                <a16:creationId xmlns:a16="http://schemas.microsoft.com/office/drawing/2014/main" id="{08F7443A-CE33-F958-C840-87E90E531655}"/>
+                <a16:creationId xmlns:a16="http://schemas.microsoft.com/office/drawing/2014/main" id="{C4E67177-8804-F87B-891F-82C38037701D}"/>
               </a:ext>
             </a:extLst>
           </p:cNvPr>
@@ -2699,7 +2699,7 @@
           <p:cNvPr id="7" name="灯片编号占位符 6">
             <a:extLst>
               <a:ext uri="{FF2B5EF4-FFF2-40B4-BE49-F238E27FC236}">
-                <a16:creationId xmlns:a16="http://schemas.microsoft.com/office/drawing/2014/main" id="{54F2614C-C806-F27B-7A9F-7E20F3C4F1EC}"/>
+                <a16:creationId xmlns:a16="http://schemas.microsoft.com/office/drawing/2014/main" id="{F8E6240D-5636-964E-AD0E-B52853EE9115}"/>
               </a:ext>
             </a:extLst>
           </p:cNvPr>
@@ -2715,7 +2715,7 @@
           <a:bodyPr/>
           <a:lstStyle/>
           <a:p>
-            <a:fld id="{E312C3D3-9CA3-49CD-A6A8-CF1B0C867554}" type="slidenum">
+            <a:fld id="{0B6EACE8-3105-4631-9F6D-F35D415C436C}" type="slidenum">
               <a:rPr lang="zh-CN" altLang="en-US" smtClean="0"/>
               <a:t>‹#›</a:t>
             </a:fld>
@@ -2726,7 +2726,7 @@
     </p:spTree>
     <p:extLst>
       <p:ext uri="{BB962C8B-B14F-4D97-AF65-F5344CB8AC3E}">
-        <p14:creationId xmlns:p14="http://schemas.microsoft.com/office/powerpoint/2010/main" val="19304550"/>
+        <p14:creationId xmlns:p14="http://schemas.microsoft.com/office/powerpoint/2010/main" val="2348315399"/>
       </p:ext>
     </p:extLst>
   </p:cSld>
@@ -2763,7 +2763,7 @@
           <p:cNvPr id="2" name="标题占位符 1">
             <a:extLst>
               <a:ext uri="{FF2B5EF4-FFF2-40B4-BE49-F238E27FC236}">
-                <a16:creationId xmlns:a16="http://schemas.microsoft.com/office/drawing/2014/main" id="{F469176B-40CE-67B5-5BEA-569192F846BC}"/>
+                <a16:creationId xmlns:a16="http://schemas.microsoft.com/office/drawing/2014/main" id="{C129FD77-D905-1D8C-A6A6-5053B9BD06BD}"/>
               </a:ext>
             </a:extLst>
           </p:cNvPr>
@@ -2801,7 +2801,7 @@
           <p:cNvPr id="3" name="文本占位符 2">
             <a:extLst>
               <a:ext uri="{FF2B5EF4-FFF2-40B4-BE49-F238E27FC236}">
-                <a16:creationId xmlns:a16="http://schemas.microsoft.com/office/drawing/2014/main" id="{02991F14-45CC-D8A9-D616-A09792A6CB58}"/>
+                <a16:creationId xmlns:a16="http://schemas.microsoft.com/office/drawing/2014/main" id="{57CB21FE-A17A-01E7-2AD5-82015C14D853}"/>
               </a:ext>
             </a:extLst>
           </p:cNvPr>
@@ -2868,7 +2868,7 @@
           <p:cNvPr id="4" name="日期占位符 3">
             <a:extLst>
               <a:ext uri="{FF2B5EF4-FFF2-40B4-BE49-F238E27FC236}">
-                <a16:creationId xmlns:a16="http://schemas.microsoft.com/office/drawing/2014/main" id="{EB541202-F996-63B0-F736-F68216E6D536}"/>
+                <a16:creationId xmlns:a16="http://schemas.microsoft.com/office/drawing/2014/main" id="{1A88D59F-7A1E-D417-3CFC-1785240FC577}"/>
               </a:ext>
             </a:extLst>
           </p:cNvPr>
@@ -2902,7 +2902,7 @@
             </a:lvl1pPr>
           </a:lstStyle>
           <a:p>
-            <a:fld id="{FC27E900-0C0A-4ADD-B02D-A0020065E000}" type="datetimeFigureOut">
+            <a:fld id="{53DAA8E4-EAA7-462B-8B63-5EA9BBB8FCDC}" type="datetimeFigureOut">
               <a:rPr lang="zh-CN" altLang="en-US" smtClean="0"/>
               <a:t>2024/3/10</a:t>
             </a:fld>
@@ -2915,7 +2915,7 @@
           <p:cNvPr id="5" name="页脚占位符 4">
             <a:extLst>
               <a:ext uri="{FF2B5EF4-FFF2-40B4-BE49-F238E27FC236}">
-                <a16:creationId xmlns:a16="http://schemas.microsoft.com/office/drawing/2014/main" id="{1BF05F41-773B-4F33-C631-BBC78AD607E6}"/>
+                <a16:creationId xmlns:a16="http://schemas.microsoft.com/office/drawing/2014/main" id="{F485792D-800F-9984-EA7D-95185197A9B3}"/>
               </a:ext>
             </a:extLst>
           </p:cNvPr>
@@ -2958,7 +2958,7 @@
           <p:cNvPr id="6" name="灯片编号占位符 5">
             <a:extLst>
               <a:ext uri="{FF2B5EF4-FFF2-40B4-BE49-F238E27FC236}">
-                <a16:creationId xmlns:a16="http://schemas.microsoft.com/office/drawing/2014/main" id="{8189BEFF-E053-ED8C-23B4-2DC28A1F4D66}"/>
+                <a16:creationId xmlns:a16="http://schemas.microsoft.com/office/drawing/2014/main" id="{EE1E41D1-A2CE-FA44-7D0B-ABCF01AB24E2}"/>
               </a:ext>
             </a:extLst>
           </p:cNvPr>
@@ -2992,7 +2992,7 @@
             </a:lvl1pPr>
           </a:lstStyle>
           <a:p>
-            <a:fld id="{E312C3D3-9CA3-49CD-A6A8-CF1B0C867554}" type="slidenum">
+            <a:fld id="{0B6EACE8-3105-4631-9F6D-F35D415C436C}" type="slidenum">
               <a:rPr lang="zh-CN" altLang="en-US" smtClean="0"/>
               <a:t>‹#›</a:t>
             </a:fld>
@@ -3003,7 +3003,7 @@
     </p:spTree>
     <p:extLst>
       <p:ext uri="{BB962C8B-B14F-4D97-AF65-F5344CB8AC3E}">
-        <p14:creationId xmlns:p14="http://schemas.microsoft.com/office/powerpoint/2010/main" val="1981670314"/>
+        <p14:creationId xmlns:p14="http://schemas.microsoft.com/office/powerpoint/2010/main" val="3214432797"/>
       </p:ext>
     </p:extLst>
   </p:cSld>
@@ -3323,7 +3323,7 @@
       </p:grpSpPr>
       <p:pic>
         <p:nvPicPr>
-          <p:cNvPr id="1573890" name="Picture 2" descr="1536"/>
+          <p:cNvPr id="1574914" name="Picture 2" descr="1537"/>
           <p:cNvPicPr>
             <a:picLocks noChangeAspect="1" noChangeArrowheads="1"/>
           </p:cNvPicPr>
@@ -3344,8 +3344,8 @@
         </p:blipFill>
         <p:spPr bwMode="auto">
           <a:xfrm>
-            <a:off x="1524000" y="0"/>
-            <a:ext cx="9144000" cy="6362700"/>
+            <a:off x="1543050" y="0"/>
+            <a:ext cx="9124950" cy="6381750"/>
           </a:xfrm>
           <a:prstGeom prst="rect">
             <a:avLst/>
@@ -3377,7 +3377,7 @@
       </p:pic>
       <p:pic>
         <p:nvPicPr>
-          <p:cNvPr id="1574915" name="Picture 3" descr="1536-2"/>
+          <p:cNvPr id="1575939" name="Picture 3" descr="1537-2"/>
           <p:cNvPicPr>
             <a:picLocks noChangeAspect="1" noChangeArrowheads="1"/>
           </p:cNvPicPr>
@@ -3398,8 +3398,8 @@
         </p:blipFill>
         <p:spPr bwMode="auto">
           <a:xfrm>
-            <a:off x="1524000" y="1588"/>
-            <a:ext cx="9145588" cy="6380162"/>
+            <a:off x="1543050" y="15876"/>
+            <a:ext cx="9124950" cy="6365875"/>
           </a:xfrm>
           <a:prstGeom prst="rect">
             <a:avLst/>
@@ -3478,7 +3478,7 @@
                                           </p:stCondLst>
                                         </p:cTn>
                                         <p:tgtEl>
-                                          <p:spTgt spid="1574915"/>
+                                          <p:spTgt spid="1575939"/>
                                         </p:tgtEl>
                                         <p:attrNameLst>
                                           <p:attrName>style.visibility</p:attrName>
@@ -3492,7 +3492,7 @@
                                       <p:cBhvr>
                                         <p:cTn id="7" dur="500"/>
                                         <p:tgtEl>
-                                          <p:spTgt spid="1574915"/>
+                                          <p:spTgt spid="1575939"/>
                                         </p:tgtEl>
                                       </p:cBhvr>
                                     </p:animEffect>
